--- a/MSD Project.pptx
+++ b/MSD Project.pptx
@@ -113,6 +113,11 @@
       </a:defRPr>
     </a:lvl9pPr>
   </p:defaultTextStyle>
+  <p:extLst>
+    <p:ext uri="{EFAFB233-063F-42B5-8137-9DF3F51BA10A}">
+      <p15:sldGuideLst xmlns:p15="http://schemas.microsoft.com/office/powerpoint/2012/main"/>
+    </p:ext>
+  </p:extLst>
 </p:presentation>
 </file>
 
@@ -7080,7 +7085,7 @@
           <a:p>
             <a:fld id="{4AAD347D-5ACD-4C99-B74B-A9C85AD731AF}" type="datetimeFigureOut">
               <a:rPr lang="en-US" dirty="0"/>
-              <a:t>8/12/2021</a:t>
+              <a:t>8/13/2021</a:t>
             </a:fld>
             <a:endParaRPr lang="en-US" dirty="0"/>
           </a:p>
@@ -7350,7 +7355,7 @@
           <a:p>
             <a:fld id="{4509A250-FF31-4206-8172-F9D3106AACB1}" type="datetimeFigureOut">
               <a:rPr lang="en-US" dirty="0"/>
-              <a:t>8/12/2021</a:t>
+              <a:t>8/13/2021</a:t>
             </a:fld>
             <a:endParaRPr lang="en-US" dirty="0"/>
           </a:p>
@@ -7539,7 +7544,7 @@
           <a:p>
             <a:fld id="{4509A250-FF31-4206-8172-F9D3106AACB1}" type="datetimeFigureOut">
               <a:rPr lang="en-US" dirty="0"/>
-              <a:t>8/12/2021</a:t>
+              <a:t>8/13/2021</a:t>
             </a:fld>
             <a:endParaRPr lang="en-US" dirty="0"/>
           </a:p>
@@ -7807,7 +7812,7 @@
           <a:p>
             <a:fld id="{4509A250-FF31-4206-8172-F9D3106AACB1}" type="datetimeFigureOut">
               <a:rPr lang="en-US" dirty="0"/>
-              <a:t>8/12/2021</a:t>
+              <a:t>8/13/2021</a:t>
             </a:fld>
             <a:endParaRPr lang="en-US" dirty="0"/>
           </a:p>
@@ -8143,7 +8148,7 @@
           <a:p>
             <a:fld id="{4509A250-FF31-4206-8172-F9D3106AACB1}" type="datetimeFigureOut">
               <a:rPr lang="en-US" dirty="0"/>
-              <a:t>8/12/2021</a:t>
+              <a:t>8/13/2021</a:t>
             </a:fld>
             <a:endParaRPr lang="en-US" dirty="0"/>
           </a:p>
@@ -8761,7 +8766,7 @@
           <a:p>
             <a:fld id="{4509A250-FF31-4206-8172-F9D3106AACB1}" type="datetimeFigureOut">
               <a:rPr lang="en-US" dirty="0"/>
-              <a:t>8/12/2021</a:t>
+              <a:t>8/13/2021</a:t>
             </a:fld>
             <a:endParaRPr lang="en-US" dirty="0"/>
           </a:p>
@@ -9616,7 +9621,7 @@
           <a:p>
             <a:fld id="{4509A250-FF31-4206-8172-F9D3106AACB1}" type="datetimeFigureOut">
               <a:rPr lang="en-US" dirty="0"/>
-              <a:t>8/12/2021</a:t>
+              <a:t>8/13/2021</a:t>
             </a:fld>
             <a:endParaRPr lang="en-US" dirty="0"/>
           </a:p>
@@ -9781,7 +9786,7 @@
           <a:p>
             <a:fld id="{4509A250-FF31-4206-8172-F9D3106AACB1}" type="datetimeFigureOut">
               <a:rPr lang="en-US" dirty="0"/>
-              <a:t>8/12/2021</a:t>
+              <a:t>8/13/2021</a:t>
             </a:fld>
             <a:endParaRPr lang="en-US" dirty="0"/>
           </a:p>
@@ -9956,7 +9961,7 @@
           <a:p>
             <a:fld id="{4509A250-FF31-4206-8172-F9D3106AACB1}" type="datetimeFigureOut">
               <a:rPr lang="en-US" dirty="0"/>
-              <a:t>8/12/2021</a:t>
+              <a:t>8/13/2021</a:t>
             </a:fld>
             <a:endParaRPr lang="en-US" dirty="0"/>
           </a:p>
@@ -10121,7 +10126,7 @@
           <a:p>
             <a:fld id="{4509A250-FF31-4206-8172-F9D3106AACB1}" type="datetimeFigureOut">
               <a:rPr lang="en-US" dirty="0"/>
-              <a:t>8/12/2021</a:t>
+              <a:t>8/13/2021</a:t>
             </a:fld>
             <a:endParaRPr lang="en-US" dirty="0"/>
           </a:p>
@@ -10363,7 +10368,7 @@
           <a:p>
             <a:fld id="{9796027F-7875-4030-9381-8BD8C4F21935}" type="datetimeFigureOut">
               <a:rPr lang="en-US" dirty="0"/>
-              <a:t>8/12/2021</a:t>
+              <a:t>8/13/2021</a:t>
             </a:fld>
             <a:endParaRPr lang="en-US" dirty="0"/>
           </a:p>
@@ -10650,7 +10655,7 @@
           <a:p>
             <a:fld id="{9796027F-7875-4030-9381-8BD8C4F21935}" type="datetimeFigureOut">
               <a:rPr lang="en-US" dirty="0"/>
-              <a:t>8/12/2021</a:t>
+              <a:t>8/13/2021</a:t>
             </a:fld>
             <a:endParaRPr lang="en-US" dirty="0"/>
           </a:p>
@@ -11089,7 +11094,7 @@
           <a:p>
             <a:fld id="{9796027F-7875-4030-9381-8BD8C4F21935}" type="datetimeFigureOut">
               <a:rPr lang="en-US" dirty="0"/>
-              <a:t>8/12/2021</a:t>
+              <a:t>8/13/2021</a:t>
             </a:fld>
             <a:endParaRPr lang="en-US" dirty="0"/>
           </a:p>
@@ -11202,7 +11207,7 @@
           <a:p>
             <a:fld id="{4509A250-FF31-4206-8172-F9D3106AACB1}" type="datetimeFigureOut">
               <a:rPr lang="en-US" dirty="0"/>
-              <a:t>8/12/2021</a:t>
+              <a:t>8/13/2021</a:t>
             </a:fld>
             <a:endParaRPr lang="en-US" dirty="0"/>
           </a:p>
@@ -11292,7 +11297,7 @@
           <a:p>
             <a:fld id="{4509A250-FF31-4206-8172-F9D3106AACB1}" type="datetimeFigureOut">
               <a:rPr lang="en-US" dirty="0"/>
-              <a:t>8/12/2021</a:t>
+              <a:t>8/13/2021</a:t>
             </a:fld>
             <a:endParaRPr lang="en-US" dirty="0"/>
           </a:p>
@@ -11566,7 +11571,7 @@
           <a:p>
             <a:fld id="{4509A250-FF31-4206-8172-F9D3106AACB1}" type="datetimeFigureOut">
               <a:rPr lang="en-US" dirty="0"/>
-              <a:t>8/12/2021</a:t>
+              <a:t>8/13/2021</a:t>
             </a:fld>
             <a:endParaRPr lang="en-US" dirty="0"/>
           </a:p>
@@ -11836,7 +11841,7 @@
           <a:p>
             <a:fld id="{4509A250-FF31-4206-8172-F9D3106AACB1}" type="datetimeFigureOut">
               <a:rPr lang="en-US" dirty="0"/>
-              <a:t>8/12/2021</a:t>
+              <a:t>8/13/2021</a:t>
             </a:fld>
             <a:endParaRPr lang="en-US" dirty="0"/>
           </a:p>
@@ -12260,7 +12265,7 @@
           <a:p>
             <a:fld id="{4AAD347D-5ACD-4C99-B74B-A9C85AD731AF}" type="datetimeFigureOut">
               <a:rPr lang="en-US" dirty="0"/>
-              <a:t>8/12/2021</a:t>
+              <a:t>8/13/2021</a:t>
             </a:fld>
             <a:endParaRPr lang="en-US" dirty="0"/>
           </a:p>
@@ -13803,7 +13808,7 @@
           <a:lstStyle/>
           <a:p>
             <a:r>
-              <a:rPr lang="en-US">
+              <a:rPr lang="en-US" dirty="0">
                 <a:solidFill>
                   <a:schemeClr val="tx1">
                     <a:lumMod val="85000"/>
@@ -15078,7 +15083,7 @@
       </p:grpSpPr>
       <p:sp>
         <p:nvSpPr>
-          <p:cNvPr id="21" name="Rectangle 20">
+          <p:cNvPr id="35" name="Rectangle 34">
             <a:extLst>
               <a:ext uri="{FF2B5EF4-FFF2-40B4-BE49-F238E27FC236}">
                 <a16:creationId xmlns:a16="http://schemas.microsoft.com/office/drawing/2014/main" id="{B4AAD3FD-83A5-4B89-9F8F-01B8870865BE}"/>
@@ -15155,7 +15160,7 @@
         <p:spPr>
           <a:xfrm>
             <a:off x="648931" y="629266"/>
-            <a:ext cx="4166510" cy="1174953"/>
+            <a:ext cx="4166510" cy="1226077"/>
           </a:xfrm>
         </p:spPr>
         <p:txBody>
@@ -15177,7 +15182,7 @@
       </p:sp>
       <p:sp>
         <p:nvSpPr>
-          <p:cNvPr id="29" name="Freeform 31">
+          <p:cNvPr id="37" name="Freeform 31">
             <a:extLst>
               <a:ext uri="{FF2B5EF4-FFF2-40B4-BE49-F238E27FC236}">
                 <a16:creationId xmlns:a16="http://schemas.microsoft.com/office/drawing/2014/main" id="{61752F1D-FC0F-4103-9584-630E643CCDA6}"/>
@@ -15529,7 +15534,7 @@
       </p:sp>
       <p:sp useBgFill="1">
         <p:nvSpPr>
-          <p:cNvPr id="25" name="Freeform: Shape 24">
+          <p:cNvPr id="39" name="Freeform: Shape 38">
             <a:extLst>
               <a:ext uri="{FF2B5EF4-FFF2-40B4-BE49-F238E27FC236}">
                 <a16:creationId xmlns:a16="http://schemas.microsoft.com/office/drawing/2014/main" id="{70151CB7-E7DE-4917-B831-01DF9CE01306}"/>
@@ -15992,10 +15997,10 @@
       </p:sp>
       <p:pic>
         <p:nvPicPr>
-          <p:cNvPr id="5" name="Picture 4" descr="Diagram&#10;&#10;Description automatically generated">
+          <p:cNvPr id="6" name="Picture 5" descr="Diagram&#10;&#10;Description automatically generated">
             <a:extLst>
               <a:ext uri="{FF2B5EF4-FFF2-40B4-BE49-F238E27FC236}">
-                <a16:creationId xmlns:a16="http://schemas.microsoft.com/office/drawing/2014/main" id="{8CB421F8-D411-4419-8908-DA852489EC21}"/>
+                <a16:creationId xmlns:a16="http://schemas.microsoft.com/office/drawing/2014/main" id="{E93DD3D9-3ADF-410F-AE30-9D65FFA0E884}"/>
               </a:ext>
             </a:extLst>
           </p:cNvPr>
@@ -16012,8 +16017,8 @@
         </p:blipFill>
         <p:spPr>
           <a:xfrm>
-            <a:off x="6093992" y="1804658"/>
-            <a:ext cx="5449889" cy="3248681"/>
+            <a:off x="6093992" y="1855343"/>
+            <a:ext cx="5449889" cy="3147310"/>
           </a:xfrm>
           <a:prstGeom prst="rect">
             <a:avLst/>
@@ -16023,7 +16028,7 @@
       </p:pic>
       <p:sp>
         <p:nvSpPr>
-          <p:cNvPr id="30" name="Rectangle 26">
+          <p:cNvPr id="41" name="Rectangle 40">
             <a:extLst>
               <a:ext uri="{FF2B5EF4-FFF2-40B4-BE49-F238E27FC236}">
                 <a16:creationId xmlns:a16="http://schemas.microsoft.com/office/drawing/2014/main" id="{A92A1116-1C84-41DF-B803-1F7B0883EC82}"/>
@@ -16092,8 +16097,8 @@
         </p:nvSpPr>
         <p:spPr>
           <a:xfrm>
-            <a:off x="648931" y="1804220"/>
-            <a:ext cx="4166509" cy="4419600"/>
+            <a:off x="648931" y="1855344"/>
+            <a:ext cx="4166509" cy="4368476"/>
           </a:xfrm>
         </p:spPr>
         <p:txBody>
@@ -16249,7 +16254,7 @@
       </p:grpSpPr>
       <p:sp>
         <p:nvSpPr>
-          <p:cNvPr id="11" name="Rectangle 10">
+          <p:cNvPr id="33" name="Rectangle 32">
             <a:extLst>
               <a:ext uri="{FF2B5EF4-FFF2-40B4-BE49-F238E27FC236}">
                 <a16:creationId xmlns:a16="http://schemas.microsoft.com/office/drawing/2014/main" id="{B4AAD3FD-83A5-4B89-9F8F-01B8870865BE}"/>
@@ -16325,8 +16330,8 @@
         </p:nvSpPr>
         <p:spPr>
           <a:xfrm>
-            <a:off x="648931" y="629266"/>
-            <a:ext cx="4166510" cy="778357"/>
+            <a:off x="648931" y="629267"/>
+            <a:ext cx="4166510" cy="919616"/>
           </a:xfrm>
         </p:spPr>
         <p:txBody>
@@ -16348,7 +16353,7 @@
       </p:sp>
       <p:sp>
         <p:nvSpPr>
-          <p:cNvPr id="13" name="Freeform 31">
+          <p:cNvPr id="35" name="Freeform 31">
             <a:extLst>
               <a:ext uri="{FF2B5EF4-FFF2-40B4-BE49-F238E27FC236}">
                 <a16:creationId xmlns:a16="http://schemas.microsoft.com/office/drawing/2014/main" id="{61752F1D-FC0F-4103-9584-630E643CCDA6}"/>
@@ -16700,7 +16705,7 @@
       </p:sp>
       <p:sp useBgFill="1">
         <p:nvSpPr>
-          <p:cNvPr id="15" name="Freeform: Shape 14">
+          <p:cNvPr id="37" name="Freeform: Shape 36">
             <a:extLst>
               <a:ext uri="{FF2B5EF4-FFF2-40B4-BE49-F238E27FC236}">
                 <a16:creationId xmlns:a16="http://schemas.microsoft.com/office/drawing/2014/main" id="{70151CB7-E7DE-4917-B831-01DF9CE01306}"/>
@@ -17161,40 +17166,9 @@
           </a:ln>
         </p:spPr>
       </p:sp>
-      <p:pic>
-        <p:nvPicPr>
-          <p:cNvPr id="6" name="Picture 5" descr="Diagram&#10;&#10;Description automatically generated">
-            <a:extLst>
-              <a:ext uri="{FF2B5EF4-FFF2-40B4-BE49-F238E27FC236}">
-                <a16:creationId xmlns:a16="http://schemas.microsoft.com/office/drawing/2014/main" id="{15A4F838-F646-4260-920A-CB39ADCADA4B}"/>
-              </a:ext>
-            </a:extLst>
-          </p:cNvPr>
-          <p:cNvPicPr>
-            <a:picLocks noChangeAspect="1"/>
-          </p:cNvPicPr>
-          <p:nvPr/>
-        </p:nvPicPr>
-        <p:blipFill>
-          <a:blip r:embed="rId2"/>
-          <a:stretch>
-            <a:fillRect/>
-          </a:stretch>
-        </p:blipFill>
-        <p:spPr>
-          <a:xfrm>
-            <a:off x="6093992" y="1412539"/>
-            <a:ext cx="5449889" cy="4032918"/>
-          </a:xfrm>
-          <a:prstGeom prst="rect">
-            <a:avLst/>
-          </a:prstGeom>
-          <a:effectLst/>
-        </p:spPr>
-      </p:pic>
       <p:sp>
         <p:nvSpPr>
-          <p:cNvPr id="17" name="Rectangle 16">
+          <p:cNvPr id="39" name="Rectangle 38">
             <a:extLst>
               <a:ext uri="{FF2B5EF4-FFF2-40B4-BE49-F238E27FC236}">
                 <a16:creationId xmlns:a16="http://schemas.microsoft.com/office/drawing/2014/main" id="{A92A1116-1C84-41DF-B803-1F7B0883EC82}"/>
@@ -17263,8 +17237,8 @@
         </p:nvSpPr>
         <p:spPr>
           <a:xfrm>
-            <a:off x="648931" y="1780674"/>
-            <a:ext cx="4166509" cy="4443145"/>
+            <a:off x="648931" y="1838131"/>
+            <a:ext cx="4166509" cy="4385689"/>
           </a:xfrm>
         </p:spPr>
         <p:txBody>
@@ -17393,6 +17367,37 @@
           </a:p>
         </p:txBody>
       </p:sp>
+      <p:pic>
+        <p:nvPicPr>
+          <p:cNvPr id="8" name="Picture 7" descr="Diagram&#10;&#10;Description automatically generated">
+            <a:extLst>
+              <a:ext uri="{FF2B5EF4-FFF2-40B4-BE49-F238E27FC236}">
+                <a16:creationId xmlns:a16="http://schemas.microsoft.com/office/drawing/2014/main" id="{B926BF8D-B987-48BE-B91A-F641556B1A86}"/>
+              </a:ext>
+            </a:extLst>
+          </p:cNvPr>
+          <p:cNvPicPr>
+            <a:picLocks noChangeAspect="1"/>
+          </p:cNvPicPr>
+          <p:nvPr/>
+        </p:nvPicPr>
+        <p:blipFill>
+          <a:blip r:embed="rId2"/>
+          <a:stretch>
+            <a:fillRect/>
+          </a:stretch>
+        </p:blipFill>
+        <p:spPr>
+          <a:xfrm>
+            <a:off x="6628662" y="647698"/>
+            <a:ext cx="4380548" cy="5562601"/>
+          </a:xfrm>
+          <a:prstGeom prst="rect">
+            <a:avLst/>
+          </a:prstGeom>
+          <a:effectLst/>
+        </p:spPr>
+      </p:pic>
     </p:spTree>
     <p:extLst>
       <p:ext uri="{BB962C8B-B14F-4D97-AF65-F5344CB8AC3E}">
